--- a/Odbrana/SERVISNO-ORIJENTISANE ARHITEKTURE.pptx
+++ b/Odbrana/SERVISNO-ORIJENTISANE ARHITEKTURE.pptx
@@ -631,7 +631,7 @@
           <a:p>
             <a:fld id="{31AD4571-68B5-46D2-BC44-187C6A3CC482}" type="datetimeFigureOut">
               <a:rPr lang="sr-Latn-RS" smtClean="0"/>
-              <a:t>22.11.2022.</a:t>
+              <a:t>4.12.2022.</a:t>
             </a:fld>
             <a:endParaRPr lang="sr-Latn-RS"/>
           </a:p>
@@ -927,7 +927,7 @@
           <a:p>
             <a:fld id="{31AD4571-68B5-46D2-BC44-187C6A3CC482}" type="datetimeFigureOut">
               <a:rPr lang="sr-Latn-RS" smtClean="0"/>
-              <a:t>22.11.2022.</a:t>
+              <a:t>4.12.2022.</a:t>
             </a:fld>
             <a:endParaRPr lang="sr-Latn-RS"/>
           </a:p>
@@ -1175,7 +1175,7 @@
           <a:p>
             <a:fld id="{31AD4571-68B5-46D2-BC44-187C6A3CC482}" type="datetimeFigureOut">
               <a:rPr lang="sr-Latn-RS" smtClean="0"/>
-              <a:t>22.11.2022.</a:t>
+              <a:t>4.12.2022.</a:t>
             </a:fld>
             <a:endParaRPr lang="sr-Latn-RS"/>
           </a:p>
@@ -1715,7 +1715,7 @@
           <a:p>
             <a:fld id="{31AD4571-68B5-46D2-BC44-187C6A3CC482}" type="datetimeFigureOut">
               <a:rPr lang="sr-Latn-RS" smtClean="0"/>
-              <a:t>22.11.2022.</a:t>
+              <a:t>4.12.2022.</a:t>
             </a:fld>
             <a:endParaRPr lang="sr-Latn-RS"/>
           </a:p>
@@ -1963,7 +1963,7 @@
           <a:p>
             <a:fld id="{31AD4571-68B5-46D2-BC44-187C6A3CC482}" type="datetimeFigureOut">
               <a:rPr lang="sr-Latn-RS" smtClean="0"/>
-              <a:t>22.11.2022.</a:t>
+              <a:t>4.12.2022.</a:t>
             </a:fld>
             <a:endParaRPr lang="sr-Latn-RS"/>
           </a:p>
@@ -2495,7 +2495,7 @@
           <a:p>
             <a:fld id="{31AD4571-68B5-46D2-BC44-187C6A3CC482}" type="datetimeFigureOut">
               <a:rPr lang="sr-Latn-RS" smtClean="0"/>
-              <a:t>22.11.2022.</a:t>
+              <a:t>4.12.2022.</a:t>
             </a:fld>
             <a:endParaRPr lang="sr-Latn-RS"/>
           </a:p>
@@ -2792,7 +2792,7 @@
           <a:p>
             <a:fld id="{31AD4571-68B5-46D2-BC44-187C6A3CC482}" type="datetimeFigureOut">
               <a:rPr lang="sr-Latn-RS" smtClean="0"/>
-              <a:t>22.11.2022.</a:t>
+              <a:t>4.12.2022.</a:t>
             </a:fld>
             <a:endParaRPr lang="sr-Latn-RS"/>
           </a:p>
@@ -2966,7 +2966,7 @@
           <a:p>
             <a:fld id="{31AD4571-68B5-46D2-BC44-187C6A3CC482}" type="datetimeFigureOut">
               <a:rPr lang="sr-Latn-RS" smtClean="0"/>
-              <a:t>22.11.2022.</a:t>
+              <a:t>4.12.2022.</a:t>
             </a:fld>
             <a:endParaRPr lang="sr-Latn-RS"/>
           </a:p>
@@ -3146,7 +3146,7 @@
           <a:p>
             <a:fld id="{31AD4571-68B5-46D2-BC44-187C6A3CC482}" type="datetimeFigureOut">
               <a:rPr lang="sr-Latn-RS" smtClean="0"/>
-              <a:t>22.11.2022.</a:t>
+              <a:t>4.12.2022.</a:t>
             </a:fld>
             <a:endParaRPr lang="sr-Latn-RS"/>
           </a:p>
@@ -3316,7 +3316,7 @@
           <a:p>
             <a:fld id="{31AD4571-68B5-46D2-BC44-187C6A3CC482}" type="datetimeFigureOut">
               <a:rPr lang="sr-Latn-RS" smtClean="0"/>
-              <a:t>22.11.2022.</a:t>
+              <a:t>4.12.2022.</a:t>
             </a:fld>
             <a:endParaRPr lang="sr-Latn-RS"/>
           </a:p>
@@ -3567,7 +3567,7 @@
           <a:p>
             <a:fld id="{31AD4571-68B5-46D2-BC44-187C6A3CC482}" type="datetimeFigureOut">
               <a:rPr lang="sr-Latn-RS" smtClean="0"/>
-              <a:t>22.11.2022.</a:t>
+              <a:t>4.12.2022.</a:t>
             </a:fld>
             <a:endParaRPr lang="sr-Latn-RS"/>
           </a:p>
@@ -3864,7 +3864,7 @@
           <a:p>
             <a:fld id="{31AD4571-68B5-46D2-BC44-187C6A3CC482}" type="datetimeFigureOut">
               <a:rPr lang="sr-Latn-RS" smtClean="0"/>
-              <a:t>22.11.2022.</a:t>
+              <a:t>4.12.2022.</a:t>
             </a:fld>
             <a:endParaRPr lang="sr-Latn-RS"/>
           </a:p>
@@ -4306,7 +4306,7 @@
           <a:p>
             <a:fld id="{31AD4571-68B5-46D2-BC44-187C6A3CC482}" type="datetimeFigureOut">
               <a:rPr lang="sr-Latn-RS" smtClean="0"/>
-              <a:t>22.11.2022.</a:t>
+              <a:t>4.12.2022.</a:t>
             </a:fld>
             <a:endParaRPr lang="sr-Latn-RS"/>
           </a:p>
@@ -4424,7 +4424,7 @@
           <a:p>
             <a:fld id="{31AD4571-68B5-46D2-BC44-187C6A3CC482}" type="datetimeFigureOut">
               <a:rPr lang="sr-Latn-RS" smtClean="0"/>
-              <a:t>22.11.2022.</a:t>
+              <a:t>4.12.2022.</a:t>
             </a:fld>
             <a:endParaRPr lang="sr-Latn-RS"/>
           </a:p>
@@ -4519,7 +4519,7 @@
           <a:p>
             <a:fld id="{31AD4571-68B5-46D2-BC44-187C6A3CC482}" type="datetimeFigureOut">
               <a:rPr lang="sr-Latn-RS" smtClean="0"/>
-              <a:t>22.11.2022.</a:t>
+              <a:t>4.12.2022.</a:t>
             </a:fld>
             <a:endParaRPr lang="sr-Latn-RS"/>
           </a:p>
@@ -4802,7 +4802,7 @@
           <a:p>
             <a:fld id="{31AD4571-68B5-46D2-BC44-187C6A3CC482}" type="datetimeFigureOut">
               <a:rPr lang="sr-Latn-RS" smtClean="0"/>
-              <a:t>22.11.2022.</a:t>
+              <a:t>4.12.2022.</a:t>
             </a:fld>
             <a:endParaRPr lang="sr-Latn-RS"/>
           </a:p>
@@ -5093,7 +5093,7 @@
           <a:p>
             <a:fld id="{31AD4571-68B5-46D2-BC44-187C6A3CC482}" type="datetimeFigureOut">
               <a:rPr lang="sr-Latn-RS" smtClean="0"/>
-              <a:t>22.11.2022.</a:t>
+              <a:t>4.12.2022.</a:t>
             </a:fld>
             <a:endParaRPr lang="sr-Latn-RS"/>
           </a:p>
@@ -5623,7 +5623,7 @@
           <a:p>
             <a:fld id="{31AD4571-68B5-46D2-BC44-187C6A3CC482}" type="datetimeFigureOut">
               <a:rPr lang="sr-Latn-RS" smtClean="0"/>
-              <a:t>22.11.2022.</a:t>
+              <a:t>4.12.2022.</a:t>
             </a:fld>
             <a:endParaRPr lang="sr-Latn-RS"/>
           </a:p>
@@ -8274,7 +8274,7 @@
           </p:cNvPicPr>
           <p:nvPr/>
         </p:nvPicPr>
-        <p:blipFill>
+        <p:blipFill rotWithShape="1">
           <a:blip r:embed="rId2">
             <a:extLst>
               <a:ext uri="{28A0092B-C50C-407E-A947-70E740481C1C}">
@@ -8282,14 +8282,13 @@
               </a:ext>
             </a:extLst>
           </a:blip>
-          <a:stretch>
-            <a:fillRect/>
-          </a:stretch>
+          <a:srcRect b="8351"/>
+          <a:stretch/>
         </p:blipFill>
         <p:spPr>
           <a:xfrm>
-            <a:off x="1086643" y="1342337"/>
-            <a:ext cx="7763958" cy="2276793"/>
+            <a:off x="1086643" y="1628985"/>
+            <a:ext cx="7763958" cy="2086663"/>
           </a:xfrm>
           <a:prstGeom prst="rect">
             <a:avLst/>
@@ -8334,10 +8333,10 @@
       </p:pic>
       <p:pic>
         <p:nvPicPr>
-          <p:cNvPr id="9" name="Picture 8">
+          <p:cNvPr id="4" name="Picture 3">
             <a:extLst>
               <a:ext uri="{FF2B5EF4-FFF2-40B4-BE49-F238E27FC236}">
-                <a16:creationId xmlns:a16="http://schemas.microsoft.com/office/drawing/2014/main" id="{FA8C638A-8DA6-4C2E-84D2-4AA1766DDEEE}"/>
+                <a16:creationId xmlns:a16="http://schemas.microsoft.com/office/drawing/2014/main" id="{926E4691-C5C4-4F44-98BF-6ED485AFD8AE}"/>
               </a:ext>
             </a:extLst>
           </p:cNvPr>
@@ -8360,8 +8359,8 @@
         </p:blipFill>
         <p:spPr>
           <a:xfrm>
-            <a:off x="7256160" y="3619130"/>
-            <a:ext cx="4334480" cy="2791215"/>
+            <a:off x="7027333" y="3715648"/>
+            <a:ext cx="4724401" cy="2893757"/>
           </a:xfrm>
           <a:prstGeom prst="rect">
             <a:avLst/>
